--- a/ugnius_eirikas_project/data_course_app.pptx
+++ b/ugnius_eirikas_project/data_course_app.pptx
@@ -6,15 +6,17 @@
   </p:sldMasterIdLst>
   <p:sldIdLst>
     <p:sldId id="256" r:id="rId2"/>
-    <p:sldId id="257" r:id="rId3"/>
-    <p:sldId id="258" r:id="rId4"/>
-    <p:sldId id="259" r:id="rId5"/>
+    <p:sldId id="268" r:id="rId3"/>
+    <p:sldId id="257" r:id="rId4"/>
+    <p:sldId id="258" r:id="rId5"/>
     <p:sldId id="260" r:id="rId6"/>
     <p:sldId id="261" r:id="rId7"/>
-    <p:sldId id="262" r:id="rId8"/>
-    <p:sldId id="263" r:id="rId9"/>
-    <p:sldId id="264" r:id="rId10"/>
-    <p:sldId id="265" r:id="rId11"/>
+    <p:sldId id="266" r:id="rId8"/>
+    <p:sldId id="267" r:id="rId9"/>
+    <p:sldId id="262" r:id="rId10"/>
+    <p:sldId id="263" r:id="rId11"/>
+    <p:sldId id="264" r:id="rId12"/>
+    <p:sldId id="265" r:id="rId13"/>
   </p:sldIdLst>
   <p:sldSz cx="12192000" cy="6858000"/>
   <p:notesSz cx="6858000" cy="9144000"/>
@@ -113,6 +115,11 @@
       </a:defRPr>
     </a:lvl9pPr>
   </p:defaultTextStyle>
+  <p:extLst>
+    <p:ext uri="{EFAFB233-063F-42B5-8137-9DF3F51BA10A}">
+      <p15:sldGuideLst xmlns:p15="http://schemas.microsoft.com/office/powerpoint/2012/main"/>
+    </p:ext>
+  </p:extLst>
 </p:presentation>
 </file>
 
@@ -263,7 +270,7 @@
           <a:p>
             <a:fld id="{2181EFDF-E105-614F-9505-F3AF6FA4E056}" type="datetimeFigureOut">
               <a:rPr lang="en-GB" smtClean="0"/>
-              <a:t>21/03/2025</a:t>
+              <a:t>04/05/2025</a:t>
             </a:fld>
             <a:endParaRPr lang="en-GB"/>
           </a:p>
@@ -461,7 +468,7 @@
           <a:p>
             <a:fld id="{2181EFDF-E105-614F-9505-F3AF6FA4E056}" type="datetimeFigureOut">
               <a:rPr lang="en-GB" smtClean="0"/>
-              <a:t>21/03/2025</a:t>
+              <a:t>04/05/2025</a:t>
             </a:fld>
             <a:endParaRPr lang="en-GB"/>
           </a:p>
@@ -669,7 +676,7 @@
           <a:p>
             <a:fld id="{2181EFDF-E105-614F-9505-F3AF6FA4E056}" type="datetimeFigureOut">
               <a:rPr lang="en-GB" smtClean="0"/>
-              <a:t>21/03/2025</a:t>
+              <a:t>04/05/2025</a:t>
             </a:fld>
             <a:endParaRPr lang="en-GB"/>
           </a:p>
@@ -867,7 +874,7 @@
           <a:p>
             <a:fld id="{2181EFDF-E105-614F-9505-F3AF6FA4E056}" type="datetimeFigureOut">
               <a:rPr lang="en-GB" smtClean="0"/>
-              <a:t>21/03/2025</a:t>
+              <a:t>04/05/2025</a:t>
             </a:fld>
             <a:endParaRPr lang="en-GB"/>
           </a:p>
@@ -1142,7 +1149,7 @@
           <a:p>
             <a:fld id="{2181EFDF-E105-614F-9505-F3AF6FA4E056}" type="datetimeFigureOut">
               <a:rPr lang="en-GB" smtClean="0"/>
-              <a:t>21/03/2025</a:t>
+              <a:t>04/05/2025</a:t>
             </a:fld>
             <a:endParaRPr lang="en-GB"/>
           </a:p>
@@ -1407,7 +1414,7 @@
           <a:p>
             <a:fld id="{2181EFDF-E105-614F-9505-F3AF6FA4E056}" type="datetimeFigureOut">
               <a:rPr lang="en-GB" smtClean="0"/>
-              <a:t>21/03/2025</a:t>
+              <a:t>04/05/2025</a:t>
             </a:fld>
             <a:endParaRPr lang="en-GB"/>
           </a:p>
@@ -1819,7 +1826,7 @@
           <a:p>
             <a:fld id="{2181EFDF-E105-614F-9505-F3AF6FA4E056}" type="datetimeFigureOut">
               <a:rPr lang="en-GB" smtClean="0"/>
-              <a:t>21/03/2025</a:t>
+              <a:t>04/05/2025</a:t>
             </a:fld>
             <a:endParaRPr lang="en-GB"/>
           </a:p>
@@ -1960,7 +1967,7 @@
           <a:p>
             <a:fld id="{2181EFDF-E105-614F-9505-F3AF6FA4E056}" type="datetimeFigureOut">
               <a:rPr lang="en-GB" smtClean="0"/>
-              <a:t>21/03/2025</a:t>
+              <a:t>04/05/2025</a:t>
             </a:fld>
             <a:endParaRPr lang="en-GB"/>
           </a:p>
@@ -2073,7 +2080,7 @@
           <a:p>
             <a:fld id="{2181EFDF-E105-614F-9505-F3AF6FA4E056}" type="datetimeFigureOut">
               <a:rPr lang="en-GB" smtClean="0"/>
-              <a:t>21/03/2025</a:t>
+              <a:t>04/05/2025</a:t>
             </a:fld>
             <a:endParaRPr lang="en-GB"/>
           </a:p>
@@ -2384,7 +2391,7 @@
           <a:p>
             <a:fld id="{2181EFDF-E105-614F-9505-F3AF6FA4E056}" type="datetimeFigureOut">
               <a:rPr lang="en-GB" smtClean="0"/>
-              <a:t>21/03/2025</a:t>
+              <a:t>04/05/2025</a:t>
             </a:fld>
             <a:endParaRPr lang="en-GB"/>
           </a:p>
@@ -2672,7 +2679,7 @@
           <a:p>
             <a:fld id="{2181EFDF-E105-614F-9505-F3AF6FA4E056}" type="datetimeFigureOut">
               <a:rPr lang="en-GB" smtClean="0"/>
-              <a:t>21/03/2025</a:t>
+              <a:t>04/05/2025</a:t>
             </a:fld>
             <a:endParaRPr lang="en-GB"/>
           </a:p>
@@ -2913,7 +2920,7 @@
           <a:p>
             <a:fld id="{2181EFDF-E105-614F-9505-F3AF6FA4E056}" type="datetimeFigureOut">
               <a:rPr lang="en-GB" smtClean="0"/>
-              <a:t>21/03/2025</a:t>
+              <a:t>04/05/2025</a:t>
             </a:fld>
             <a:endParaRPr lang="en-GB"/>
           </a:p>
@@ -3346,16 +3353,53 @@
             <p:ph type="ctrTitle"/>
           </p:nvPr>
         </p:nvSpPr>
-        <p:spPr/>
+        <p:spPr>
+          <a:xfrm>
+            <a:off x="1524000" y="1678750"/>
+            <a:ext cx="9144000" cy="2387600"/>
+          </a:xfrm>
+        </p:spPr>
         <p:txBody>
           <a:bodyPr>
-            <a:normAutofit/>
+            <a:normAutofit fontScale="90000"/>
           </a:bodyPr>
           <a:lstStyle/>
           <a:p>
-            <a:r>
-              <a:rPr lang="en-GB" dirty="0"/>
-              <a:t>Traffic Analyzer LT — Traffic Incident Analysis Application</a:t>
+            <a:br>
+              <a:rPr lang="en-GB" b="1" i="0" dirty="0">
+                <a:effectLst/>
+                <a:latin typeface="Satoshi"/>
+              </a:rPr>
+            </a:br>
+            <a:br>
+              <a:rPr lang="en-GB" b="1" i="0" dirty="0">
+                <a:effectLst/>
+                <a:latin typeface="Satoshi"/>
+              </a:rPr>
+            </a:br>
+            <a:r>
+              <a:rPr lang="en-GB" b="1" i="0" dirty="0" err="1">
+                <a:effectLst/>
+                <a:latin typeface="Satoshi"/>
+              </a:rPr>
+              <a:t>Traffilyzer</a:t>
+            </a:r>
+            <a:br>
+              <a:rPr lang="en-GB" b="1" i="0" dirty="0">
+                <a:effectLst/>
+                <a:latin typeface="Satoshi"/>
+              </a:rPr>
+            </a:br>
+            <a:r>
+              <a:rPr lang="en-GB" b="1" i="0" dirty="0">
+                <a:effectLst/>
+                <a:latin typeface="Satoshi"/>
+              </a:rPr>
+              <a:t>	</a:t>
+            </a:r>
+            <a:r>
+              <a:rPr lang="en-GB" dirty="0"/>
+              <a:t>Traffic Incident Analysis Application</a:t>
             </a:r>
           </a:p>
         </p:txBody>
@@ -3376,7 +3420,12 @@
             <p:ph type="subTitle" idx="1"/>
           </p:nvPr>
         </p:nvSpPr>
-        <p:spPr/>
+        <p:spPr>
+          <a:xfrm>
+            <a:off x="1524000" y="4351369"/>
+            <a:ext cx="9144000" cy="1655762"/>
+          </a:xfrm>
+        </p:spPr>
         <p:txBody>
           <a:bodyPr/>
           <a:lstStyle/>
@@ -3431,6 +3480,312 @@
           <p:cNvPr id="2" name="Title 1">
             <a:extLst>
               <a:ext uri="{FF2B5EF4-FFF2-40B4-BE49-F238E27FC236}">
+                <a16:creationId xmlns:a16="http://schemas.microsoft.com/office/drawing/2014/main" id="{5F10CB34-58B2-49D9-3BCF-C76C459C0EA3}"/>
+              </a:ext>
+            </a:extLst>
+          </p:cNvPr>
+          <p:cNvSpPr>
+            <a:spLocks noGrp="1"/>
+          </p:cNvSpPr>
+          <p:nvPr>
+            <p:ph type="title"/>
+          </p:nvPr>
+        </p:nvSpPr>
+        <p:spPr/>
+        <p:txBody>
+          <a:bodyPr/>
+          <a:lstStyle/>
+          <a:p>
+            <a:r>
+              <a:rPr lang="en-GB" dirty="0"/>
+              <a:t>Issues with the project</a:t>
+            </a:r>
+          </a:p>
+        </p:txBody>
+      </p:sp>
+      <p:sp>
+        <p:nvSpPr>
+          <p:cNvPr id="3" name="Content Placeholder 2">
+            <a:extLst>
+              <a:ext uri="{FF2B5EF4-FFF2-40B4-BE49-F238E27FC236}">
+                <a16:creationId xmlns:a16="http://schemas.microsoft.com/office/drawing/2014/main" id="{8E34B1BF-AEB5-0DA9-AA2B-AAF489C696F1}"/>
+              </a:ext>
+            </a:extLst>
+          </p:cNvPr>
+          <p:cNvSpPr>
+            <a:spLocks noGrp="1"/>
+          </p:cNvSpPr>
+          <p:nvPr>
+            <p:ph idx="1"/>
+          </p:nvPr>
+        </p:nvSpPr>
+        <p:spPr/>
+        <p:txBody>
+          <a:bodyPr/>
+          <a:lstStyle/>
+          <a:p>
+            <a:pPr>
+              <a:buFont typeface="Arial" panose="020B0604020202020204" pitchFamily="34" charset="0"/>
+              <a:buChar char="•"/>
+            </a:pPr>
+            <a:r>
+              <a:rPr lang="en-GB" b="1" dirty="0"/>
+              <a:t>Slow Start-Up</a:t>
+            </a:r>
+            <a:br>
+              <a:rPr lang="en-GB" dirty="0"/>
+            </a:br>
+            <a:r>
+              <a:rPr lang="en-GB" dirty="0"/>
+              <a:t>Data aggregation at the start is resource-intensive and takes a long time, especially when processing large datasets on a local machine.</a:t>
+            </a:r>
+          </a:p>
+          <a:p>
+            <a:pPr>
+              <a:buFont typeface="Arial" panose="020B0604020202020204" pitchFamily="34" charset="0"/>
+              <a:buChar char="•"/>
+            </a:pPr>
+            <a:r>
+              <a:rPr lang="en-GB" b="1" dirty="0"/>
+              <a:t>No Persistence</a:t>
+            </a:r>
+            <a:br>
+              <a:rPr lang="en-GB" dirty="0"/>
+            </a:br>
+            <a:r>
+              <a:rPr lang="en-GB" dirty="0"/>
+              <a:t>The app doesn't store the data in a database, which makes it slow on every start-up and leads to inefficient use of resources.</a:t>
+            </a:r>
+          </a:p>
+          <a:p>
+            <a:endParaRPr lang="en-GB" dirty="0"/>
+          </a:p>
+        </p:txBody>
+      </p:sp>
+    </p:spTree>
+    <p:extLst>
+      <p:ext uri="{BB962C8B-B14F-4D97-AF65-F5344CB8AC3E}">
+        <p14:creationId xmlns:p14="http://schemas.microsoft.com/office/powerpoint/2010/main" val="1951842705"/>
+      </p:ext>
+    </p:extLst>
+  </p:cSld>
+  <p:clrMapOvr>
+    <a:masterClrMapping/>
+  </p:clrMapOvr>
+</p:sld>
+</file>
+
+<file path=ppt/slides/slide11.xml><?xml version="1.0" encoding="utf-8"?>
+<p:sld xmlns:a="http://schemas.openxmlformats.org/drawingml/2006/main" xmlns:r="http://schemas.openxmlformats.org/officeDocument/2006/relationships" xmlns:p="http://schemas.openxmlformats.org/presentationml/2006/main">
+  <p:cSld>
+    <p:spTree>
+      <p:nvGrpSpPr>
+        <p:cNvPr id="1" name=""/>
+        <p:cNvGrpSpPr/>
+        <p:nvPr/>
+      </p:nvGrpSpPr>
+      <p:grpSpPr>
+        <a:xfrm>
+          <a:off x="0" y="0"/>
+          <a:ext cx="0" cy="0"/>
+          <a:chOff x="0" y="0"/>
+          <a:chExt cx="0" cy="0"/>
+        </a:xfrm>
+      </p:grpSpPr>
+      <p:sp>
+        <p:nvSpPr>
+          <p:cNvPr id="2" name="Title 1">
+            <a:extLst>
+              <a:ext uri="{FF2B5EF4-FFF2-40B4-BE49-F238E27FC236}">
+                <a16:creationId xmlns:a16="http://schemas.microsoft.com/office/drawing/2014/main" id="{F3F61CA2-2502-126C-14B9-4E9B64C594A2}"/>
+              </a:ext>
+            </a:extLst>
+          </p:cNvPr>
+          <p:cNvSpPr>
+            <a:spLocks noGrp="1"/>
+          </p:cNvSpPr>
+          <p:nvPr>
+            <p:ph type="title"/>
+          </p:nvPr>
+        </p:nvSpPr>
+        <p:spPr/>
+        <p:txBody>
+          <a:bodyPr/>
+          <a:lstStyle/>
+          <a:p>
+            <a:r>
+              <a:rPr lang="en-GB" b="1" dirty="0"/>
+              <a:t>Future Improvements</a:t>
+            </a:r>
+            <a:br>
+              <a:rPr lang="en-GB" b="1" dirty="0"/>
+            </a:br>
+            <a:endParaRPr lang="en-GB" dirty="0"/>
+          </a:p>
+        </p:txBody>
+      </p:sp>
+      <p:sp>
+        <p:nvSpPr>
+          <p:cNvPr id="3" name="Content Placeholder 2">
+            <a:extLst>
+              <a:ext uri="{FF2B5EF4-FFF2-40B4-BE49-F238E27FC236}">
+                <a16:creationId xmlns:a16="http://schemas.microsoft.com/office/drawing/2014/main" id="{B5626005-EAFD-6D82-33D9-92F93895DDD2}"/>
+              </a:ext>
+            </a:extLst>
+          </p:cNvPr>
+          <p:cNvSpPr>
+            <a:spLocks noGrp="1"/>
+          </p:cNvSpPr>
+          <p:nvPr>
+            <p:ph idx="1"/>
+          </p:nvPr>
+        </p:nvSpPr>
+        <p:spPr/>
+        <p:txBody>
+          <a:bodyPr>
+            <a:normAutofit fontScale="92500" lnSpcReduction="20000"/>
+          </a:bodyPr>
+          <a:lstStyle/>
+          <a:p>
+            <a:pPr>
+              <a:buNone/>
+            </a:pPr>
+            <a:r>
+              <a:rPr lang="en-GB" b="1" dirty="0"/>
+              <a:t>Database Integration</a:t>
+            </a:r>
+            <a:endParaRPr lang="en-GB" dirty="0"/>
+          </a:p>
+          <a:p>
+            <a:pPr marL="742950" lvl="1" indent="-285750">
+              <a:buFont typeface="+mj-lt"/>
+              <a:buAutoNum type="arabicPeriod"/>
+            </a:pPr>
+            <a:r>
+              <a:rPr lang="en-GB" b="1" dirty="0"/>
+              <a:t>Move Data to Database (PostgreSQL)</a:t>
+            </a:r>
+            <a:br>
+              <a:rPr lang="en-GB" dirty="0"/>
+            </a:br>
+            <a:r>
+              <a:rPr lang="en-GB" dirty="0"/>
+              <a:t>Storing data in a database will reduce the need for frequent data downloading and aggregation.</a:t>
+            </a:r>
+          </a:p>
+          <a:p>
+            <a:pPr>
+              <a:buFont typeface="+mj-lt"/>
+              <a:buAutoNum type="arabicPeriod"/>
+            </a:pPr>
+            <a:r>
+              <a:rPr lang="en-GB" b="1" dirty="0"/>
+              <a:t>Caching Mechanism</a:t>
+            </a:r>
+            <a:endParaRPr lang="en-GB" dirty="0"/>
+          </a:p>
+          <a:p>
+            <a:pPr marL="742950" lvl="1" indent="-285750">
+              <a:buFont typeface="+mj-lt"/>
+              <a:buAutoNum type="arabicPeriod"/>
+            </a:pPr>
+            <a:r>
+              <a:rPr lang="en-GB" b="1" dirty="0"/>
+              <a:t>Implement Redis</a:t>
+            </a:r>
+            <a:br>
+              <a:rPr lang="en-GB" dirty="0"/>
+            </a:br>
+            <a:r>
+              <a:rPr lang="en-GB" dirty="0"/>
+              <a:t>Caching results using Redis will significantly speed up the app by reducing the need to reaggregate data on every start.</a:t>
+            </a:r>
+          </a:p>
+          <a:p>
+            <a:pPr>
+              <a:buFont typeface="+mj-lt"/>
+              <a:buAutoNum type="arabicPeriod"/>
+            </a:pPr>
+            <a:r>
+              <a:rPr lang="en-GB" b="1" dirty="0"/>
+              <a:t>User Interactivity</a:t>
+            </a:r>
+            <a:endParaRPr lang="en-GB" dirty="0"/>
+          </a:p>
+          <a:p>
+            <a:pPr marL="742950" lvl="1" indent="-285750">
+              <a:buFont typeface="+mj-lt"/>
+              <a:buAutoNum type="arabicPeriod"/>
+            </a:pPr>
+            <a:r>
+              <a:rPr lang="en-GB" b="1" dirty="0"/>
+              <a:t>Allow User Input for Filtering</a:t>
+            </a:r>
+            <a:br>
+              <a:rPr lang="en-GB" dirty="0"/>
+            </a:br>
+            <a:r>
+              <a:rPr lang="en-GB" dirty="0"/>
+              <a:t>Allow users to filter data by car types, accident severity, or time period.</a:t>
+            </a:r>
+          </a:p>
+          <a:p>
+            <a:pPr marL="742950" lvl="1" indent="-285750">
+              <a:buFont typeface="+mj-lt"/>
+              <a:buAutoNum type="arabicPeriod"/>
+            </a:pPr>
+            <a:r>
+              <a:rPr lang="en-GB" b="1" dirty="0"/>
+              <a:t>Login System</a:t>
+            </a:r>
+            <a:br>
+              <a:rPr lang="en-GB" dirty="0"/>
+            </a:br>
+            <a:r>
+              <a:rPr lang="en-GB" dirty="0"/>
+              <a:t>Add authentication to save user preferences and give personalized access to features.</a:t>
+            </a:r>
+          </a:p>
+          <a:p>
+            <a:endParaRPr lang="en-GB" dirty="0"/>
+          </a:p>
+        </p:txBody>
+      </p:sp>
+    </p:spTree>
+    <p:extLst>
+      <p:ext uri="{BB962C8B-B14F-4D97-AF65-F5344CB8AC3E}">
+        <p14:creationId xmlns:p14="http://schemas.microsoft.com/office/powerpoint/2010/main" val="4211362068"/>
+      </p:ext>
+    </p:extLst>
+  </p:cSld>
+  <p:clrMapOvr>
+    <a:masterClrMapping/>
+  </p:clrMapOvr>
+</p:sld>
+</file>
+
+<file path=ppt/slides/slide12.xml><?xml version="1.0" encoding="utf-8"?>
+<p:sld xmlns:a="http://schemas.openxmlformats.org/drawingml/2006/main" xmlns:r="http://schemas.openxmlformats.org/officeDocument/2006/relationships" xmlns:p="http://schemas.openxmlformats.org/presentationml/2006/main">
+  <p:cSld>
+    <p:spTree>
+      <p:nvGrpSpPr>
+        <p:cNvPr id="1" name=""/>
+        <p:cNvGrpSpPr/>
+        <p:nvPr/>
+      </p:nvGrpSpPr>
+      <p:grpSpPr>
+        <a:xfrm>
+          <a:off x="0" y="0"/>
+          <a:ext cx="0" cy="0"/>
+          <a:chOff x="0" y="0"/>
+          <a:chExt cx="0" cy="0"/>
+        </a:xfrm>
+      </p:grpSpPr>
+      <p:sp>
+        <p:nvSpPr>
+          <p:cNvPr id="2" name="Title 1">
+            <a:extLst>
+              <a:ext uri="{FF2B5EF4-FFF2-40B4-BE49-F238E27FC236}">
                 <a16:creationId xmlns:a16="http://schemas.microsoft.com/office/drawing/2014/main" id="{60180874-3E2A-F7BE-51D7-A9913FF99961}"/>
               </a:ext>
             </a:extLst>
@@ -3451,31 +3806,6 @@
               <a:rPr lang="en-GB" dirty="0"/>
               <a:t>Interactive Demo</a:t>
             </a:r>
-          </a:p>
-        </p:txBody>
-      </p:sp>
-      <p:sp>
-        <p:nvSpPr>
-          <p:cNvPr id="3" name="Content Placeholder 2">
-            <a:extLst>
-              <a:ext uri="{FF2B5EF4-FFF2-40B4-BE49-F238E27FC236}">
-                <a16:creationId xmlns:a16="http://schemas.microsoft.com/office/drawing/2014/main" id="{9568A48A-12A4-7FC3-0EBA-F0EB39BDD4D8}"/>
-              </a:ext>
-            </a:extLst>
-          </p:cNvPr>
-          <p:cNvSpPr>
-            <a:spLocks noGrp="1"/>
-          </p:cNvSpPr>
-          <p:nvPr>
-            <p:ph idx="1"/>
-          </p:nvPr>
-        </p:nvSpPr>
-        <p:spPr/>
-        <p:txBody>
-          <a:bodyPr/>
-          <a:lstStyle/>
-          <a:p>
-            <a:endParaRPr lang="en-GB" dirty="0"/>
           </a:p>
         </p:txBody>
       </p:sp>
@@ -3514,7 +3844,7 @@
           <p:cNvPr id="2" name="Title 1">
             <a:extLst>
               <a:ext uri="{FF2B5EF4-FFF2-40B4-BE49-F238E27FC236}">
-                <a16:creationId xmlns:a16="http://schemas.microsoft.com/office/drawing/2014/main" id="{CCC10095-1ABD-C097-BCCC-8FAD230DFC43}"/>
+                <a16:creationId xmlns:a16="http://schemas.microsoft.com/office/drawing/2014/main" id="{C53A014B-A43F-1E0A-4350-1459FB59ECC3}"/>
               </a:ext>
             </a:extLst>
           </p:cNvPr>
@@ -3532,7 +3862,7 @@
           <a:p>
             <a:r>
               <a:rPr lang="en-GB" dirty="0"/>
-              <a:t>Introduction</a:t>
+              <a:t>Plan for the presentation</a:t>
             </a:r>
           </a:p>
         </p:txBody>
@@ -3542,7 +3872,7 @@
           <p:cNvPr id="3" name="Content Placeholder 2">
             <a:extLst>
               <a:ext uri="{FF2B5EF4-FFF2-40B4-BE49-F238E27FC236}">
-                <a16:creationId xmlns:a16="http://schemas.microsoft.com/office/drawing/2014/main" id="{7E66DAA0-1C8C-5175-33AF-D0F6EA8CFFD9}"/>
+                <a16:creationId xmlns:a16="http://schemas.microsoft.com/office/drawing/2014/main" id="{F6DB442C-8AAB-DA6B-7713-2C6BB0C719DB}"/>
               </a:ext>
             </a:extLst>
           </p:cNvPr>
@@ -3560,38 +3890,45 @@
           <a:p>
             <a:r>
               <a:rPr lang="en-GB" dirty="0"/>
-              <a:t>The purpose of this project is to create a simple, interactive application that analyses traffic incident data in Lithuania for the year 2023, using a combination of Python, </a:t>
-            </a:r>
-            <a:r>
-              <a:rPr lang="en-GB" dirty="0" err="1"/>
-              <a:t>FastAPI</a:t>
-            </a:r>
-            <a:r>
-              <a:rPr lang="en-GB" dirty="0"/>
-              <a:t>, React, TypeScript, and Vite.</a:t>
-            </a:r>
-          </a:p>
-          <a:p>
-            <a:r>
-              <a:rPr lang="en-GB" dirty="0"/>
-              <a:t>It should give a good perspective on road safety for drivers</a:t>
-            </a:r>
-          </a:p>
-          <a:p>
-            <a:r>
-              <a:rPr lang="en-GB" dirty="0"/>
-              <a:t>It should outline issues intoxicated drivers </a:t>
-            </a:r>
-          </a:p>
-          <a:p>
-            <a:endParaRPr lang="en-GB" dirty="0"/>
+              <a:t>Introduction and technology stack</a:t>
+            </a:r>
+          </a:p>
+          <a:p>
+            <a:r>
+              <a:rPr lang="en-GB" dirty="0"/>
+              <a:t>Architecture</a:t>
+            </a:r>
+          </a:p>
+          <a:p>
+            <a:r>
+              <a:rPr lang="en-GB" dirty="0"/>
+              <a:t>Data analysis and data cleanup</a:t>
+            </a:r>
+          </a:p>
+          <a:p>
+            <a:r>
+              <a:rPr lang="en-GB" dirty="0"/>
+              <a:t>Key features and known issues</a:t>
+            </a:r>
+          </a:p>
+          <a:p>
+            <a:r>
+              <a:rPr lang="en-GB" dirty="0"/>
+              <a:t>Future improvements</a:t>
+            </a:r>
+          </a:p>
+          <a:p>
+            <a:r>
+              <a:rPr lang="en-GB" dirty="0"/>
+              <a:t>Demo</a:t>
+            </a:r>
           </a:p>
         </p:txBody>
       </p:sp>
     </p:spTree>
     <p:extLst>
       <p:ext uri="{BB962C8B-B14F-4D97-AF65-F5344CB8AC3E}">
-        <p14:creationId xmlns:p14="http://schemas.microsoft.com/office/powerpoint/2010/main" val="3766153732"/>
+        <p14:creationId xmlns:p14="http://schemas.microsoft.com/office/powerpoint/2010/main" val="4091125079"/>
       </p:ext>
     </p:extLst>
   </p:cSld>
@@ -3623,7 +3960,7 @@
           <p:cNvPr id="2" name="Title 1">
             <a:extLst>
               <a:ext uri="{FF2B5EF4-FFF2-40B4-BE49-F238E27FC236}">
-                <a16:creationId xmlns:a16="http://schemas.microsoft.com/office/drawing/2014/main" id="{003F5120-B010-C2D4-4C8A-75BE37317349}"/>
+                <a16:creationId xmlns:a16="http://schemas.microsoft.com/office/drawing/2014/main" id="{CCC10095-1ABD-C097-BCCC-8FAD230DFC43}"/>
               </a:ext>
             </a:extLst>
           </p:cNvPr>
@@ -3641,7 +3978,7 @@
           <a:p>
             <a:r>
               <a:rPr lang="en-GB" dirty="0"/>
-              <a:t>Technology Stack</a:t>
+              <a:t>Introduction</a:t>
             </a:r>
           </a:p>
         </p:txBody>
@@ -3651,7 +3988,7 @@
           <p:cNvPr id="3" name="Content Placeholder 2">
             <a:extLst>
               <a:ext uri="{FF2B5EF4-FFF2-40B4-BE49-F238E27FC236}">
-                <a16:creationId xmlns:a16="http://schemas.microsoft.com/office/drawing/2014/main" id="{4DF9DA35-4730-08E1-EFC6-B4F96AE3E8F8}"/>
+                <a16:creationId xmlns:a16="http://schemas.microsoft.com/office/drawing/2014/main" id="{7E66DAA0-1C8C-5175-33AF-D0F6EA8CFFD9}"/>
               </a:ext>
             </a:extLst>
           </p:cNvPr>
@@ -3667,65 +4004,24 @@
           <a:bodyPr/>
           <a:lstStyle/>
           <a:p>
-            <a:pPr>
-              <a:buNone/>
-            </a:pPr>
-            <a:r>
-              <a:rPr lang="en-GB" b="1" dirty="0"/>
-              <a:t>Backend:</a:t>
-            </a:r>
-            <a:endParaRPr lang="en-GB" dirty="0"/>
-          </a:p>
-          <a:p>
-            <a:pPr>
-              <a:buFont typeface="Arial" panose="020B0604020202020204" pitchFamily="34" charset="0"/>
-              <a:buChar char="•"/>
-            </a:pPr>
-            <a:r>
-              <a:rPr lang="en-GB" b="1" dirty="0"/>
-              <a:t>Python + </a:t>
-            </a:r>
-            <a:r>
-              <a:rPr lang="en-GB" b="1" dirty="0" err="1"/>
-              <a:t>FastAPI</a:t>
-            </a:r>
-            <a:br>
-              <a:rPr lang="en-GB" dirty="0"/>
-            </a:br>
-            <a:r>
-              <a:rPr lang="en-GB" dirty="0"/>
-              <a:t>Fast and efficient RESTful APIs to handle data aggregation and serve endpoints.</a:t>
-            </a:r>
-          </a:p>
-          <a:p>
-            <a:pPr>
-              <a:buFont typeface="Arial" panose="020B0604020202020204" pitchFamily="34" charset="0"/>
-              <a:buChar char="•"/>
-            </a:pPr>
-            <a:r>
-              <a:rPr lang="en-GB" b="1" dirty="0" err="1"/>
-              <a:t>Uvicorn</a:t>
-            </a:r>
-            <a:br>
-              <a:rPr lang="en-GB" dirty="0"/>
-            </a:br>
-            <a:r>
-              <a:rPr lang="en-GB" dirty="0"/>
-              <a:t>ASGI server for running </a:t>
-            </a:r>
-            <a:r>
-              <a:rPr lang="en-GB" dirty="0" err="1"/>
-              <a:t>FastAPI</a:t>
-            </a:r>
-            <a:r>
-              <a:rPr lang="en-GB" dirty="0"/>
-              <a:t> app.</a:t>
-            </a:r>
-          </a:p>
-          <a:p>
-            <a:pPr marL="0" indent="0">
-              <a:buNone/>
-            </a:pPr>
+            <a:r>
+              <a:rPr lang="en-GB" dirty="0"/>
+              <a:t>The purpose of this project is to create a simple, interactive application that analyses traffic incident data in Lithuania for the year 2023</a:t>
+            </a:r>
+          </a:p>
+          <a:p>
+            <a:r>
+              <a:rPr lang="en-GB" dirty="0"/>
+              <a:t>It should give a good perspective on road safety for drivers</a:t>
+            </a:r>
+          </a:p>
+          <a:p>
+            <a:r>
+              <a:rPr lang="en-GB" dirty="0"/>
+              <a:t>It should outline issues intoxicated drivers </a:t>
+            </a:r>
+          </a:p>
+          <a:p>
             <a:endParaRPr lang="en-GB" dirty="0"/>
           </a:p>
         </p:txBody>
@@ -3733,7 +4029,7 @@
     </p:spTree>
     <p:extLst>
       <p:ext uri="{BB962C8B-B14F-4D97-AF65-F5344CB8AC3E}">
-        <p14:creationId xmlns:p14="http://schemas.microsoft.com/office/powerpoint/2010/main" val="1221587328"/>
+        <p14:creationId xmlns:p14="http://schemas.microsoft.com/office/powerpoint/2010/main" val="3766153732"/>
       </p:ext>
     </p:extLst>
   </p:cSld>
@@ -3765,7 +4061,7 @@
           <p:cNvPr id="2" name="Title 1">
             <a:extLst>
               <a:ext uri="{FF2B5EF4-FFF2-40B4-BE49-F238E27FC236}">
-                <a16:creationId xmlns:a16="http://schemas.microsoft.com/office/drawing/2014/main" id="{66E64A2E-2E5A-9892-617F-38AA9511C4FF}"/>
+                <a16:creationId xmlns:a16="http://schemas.microsoft.com/office/drawing/2014/main" id="{003F5120-B010-C2D4-4C8A-75BE37317349}"/>
               </a:ext>
             </a:extLst>
           </p:cNvPr>
@@ -3793,7 +4089,7 @@
           <p:cNvPr id="3" name="Content Placeholder 2">
             <a:extLst>
               <a:ext uri="{FF2B5EF4-FFF2-40B4-BE49-F238E27FC236}">
-                <a16:creationId xmlns:a16="http://schemas.microsoft.com/office/drawing/2014/main" id="{562FBC3E-6256-1016-CEE4-2BD4B5B92FB7}"/>
+                <a16:creationId xmlns:a16="http://schemas.microsoft.com/office/drawing/2014/main" id="{4DF9DA35-4730-08E1-EFC6-B4F96AE3E8F8}"/>
               </a:ext>
             </a:extLst>
           </p:cNvPr>
@@ -3814,7 +4110,7 @@
             </a:pPr>
             <a:r>
               <a:rPr lang="en-GB" b="1" dirty="0"/>
-              <a:t>Frontend:</a:t>
+              <a:t>Backend:</a:t>
             </a:r>
             <a:endParaRPr lang="en-GB" dirty="0"/>
           </a:p>
@@ -3825,6 +4121,37 @@
             </a:pPr>
             <a:r>
               <a:rPr lang="en-GB" b="1" dirty="0"/>
+              <a:t>Python + </a:t>
+            </a:r>
+            <a:r>
+              <a:rPr lang="en-GB" b="1" dirty="0" err="1"/>
+              <a:t>FastAPI</a:t>
+            </a:r>
+            <a:br>
+              <a:rPr lang="en-GB" dirty="0"/>
+            </a:br>
+            <a:r>
+              <a:rPr lang="en-GB" dirty="0"/>
+              <a:t>Fast and efficient RESTful APIs to handle data aggregation and serve endpoints.</a:t>
+            </a:r>
+          </a:p>
+          <a:p>
+            <a:pPr>
+              <a:buNone/>
+            </a:pPr>
+            <a:r>
+              <a:rPr lang="en-GB" b="1" dirty="0"/>
+              <a:t>Frontend:</a:t>
+            </a:r>
+            <a:endParaRPr lang="en-GB" dirty="0"/>
+          </a:p>
+          <a:p>
+            <a:pPr>
+              <a:buFont typeface="Arial" panose="020B0604020202020204" pitchFamily="34" charset="0"/>
+              <a:buChar char="•"/>
+            </a:pPr>
+            <a:r>
+              <a:rPr lang="en-GB" b="1" dirty="0"/>
               <a:t>React + TypeScript + Vite</a:t>
             </a:r>
             <a:br>
@@ -3836,6 +4163,12 @@
             </a:r>
           </a:p>
           <a:p>
+            <a:endParaRPr lang="en-GB" dirty="0"/>
+          </a:p>
+          <a:p>
+            <a:pPr marL="0" indent="0">
+              <a:buNone/>
+            </a:pPr>
             <a:endParaRPr lang="en-GB" dirty="0"/>
           </a:p>
         </p:txBody>
@@ -3843,7 +4176,7 @@
     </p:spTree>
     <p:extLst>
       <p:ext uri="{BB962C8B-B14F-4D97-AF65-F5344CB8AC3E}">
-        <p14:creationId xmlns:p14="http://schemas.microsoft.com/office/powerpoint/2010/main" val="3669196735"/>
+        <p14:creationId xmlns:p14="http://schemas.microsoft.com/office/powerpoint/2010/main" val="1221587328"/>
       </p:ext>
     </p:extLst>
   </p:cSld>
@@ -4049,7 +4382,7 @@
           <p:cNvPr id="2" name="Title 1">
             <a:extLst>
               <a:ext uri="{FF2B5EF4-FFF2-40B4-BE49-F238E27FC236}">
-                <a16:creationId xmlns:a16="http://schemas.microsoft.com/office/drawing/2014/main" id="{36B0DB25-F4E2-2387-43C8-7335F8ED4E24}"/>
+                <a16:creationId xmlns:a16="http://schemas.microsoft.com/office/drawing/2014/main" id="{89BB052E-EF77-6FD2-AA22-0D1BF4B2A004}"/>
               </a:ext>
             </a:extLst>
           </p:cNvPr>
@@ -4066,110 +4399,91 @@
           <a:lstStyle/>
           <a:p>
             <a:r>
-              <a:rPr lang="en-GB" b="1" dirty="0"/>
-              <a:t>Key Features</a:t>
-            </a:r>
-            <a:br>
-              <a:rPr lang="en-GB" b="1" dirty="0"/>
-            </a:br>
+              <a:rPr lang="en-GB" dirty="0"/>
+              <a:t>How it works: Data information</a:t>
+            </a:r>
+          </a:p>
+        </p:txBody>
+      </p:sp>
+      <p:sp>
+        <p:nvSpPr>
+          <p:cNvPr id="3" name="Content Placeholder 2">
+            <a:extLst>
+              <a:ext uri="{FF2B5EF4-FFF2-40B4-BE49-F238E27FC236}">
+                <a16:creationId xmlns:a16="http://schemas.microsoft.com/office/drawing/2014/main" id="{4C2FEDB4-1E91-AB9C-0E3A-0B6CBF8FE963}"/>
+              </a:ext>
+            </a:extLst>
+          </p:cNvPr>
+          <p:cNvSpPr>
+            <a:spLocks noGrp="1"/>
+          </p:cNvSpPr>
+          <p:nvPr>
+            <p:ph idx="1"/>
+          </p:nvPr>
+        </p:nvSpPr>
+        <p:spPr/>
+        <p:txBody>
+          <a:bodyPr/>
+          <a:lstStyle/>
+          <a:p>
+            <a:r>
+              <a:rPr lang="en-GB" dirty="0"/>
+              <a:t>Application analyses data from Lithuanian Open Data source (</a:t>
+            </a:r>
+            <a:r>
+              <a:rPr lang="en-GB" dirty="0">
+                <a:hlinkClick r:id="rId2"/>
+              </a:rPr>
+              <a:t>https://data.gov.lt/datasets/509/#info</a:t>
+            </a:r>
+            <a:r>
+              <a:rPr lang="en-GB" dirty="0"/>
+              <a:t> )</a:t>
+            </a:r>
+          </a:p>
+          <a:p>
+            <a:r>
+              <a:rPr lang="en-GB" dirty="0"/>
+              <a:t>Data is about car incidents where people had injuries or fatalities</a:t>
+            </a:r>
+          </a:p>
+          <a:p>
+            <a:r>
+              <a:rPr lang="en-GB" dirty="0"/>
+              <a:t>Data is in </a:t>
+            </a:r>
+            <a:r>
+              <a:rPr lang="en-GB" dirty="0" err="1"/>
+              <a:t>Lithaunian</a:t>
+            </a:r>
+            <a:r>
+              <a:rPr lang="en-GB" dirty="0"/>
+              <a:t> and well structured, </a:t>
+            </a:r>
+          </a:p>
+          <a:p>
+            <a:r>
+              <a:rPr lang="en-GB" dirty="0"/>
+              <a:t>Data contains a lot of capital cases, Lithuanian </a:t>
+            </a:r>
+            <a:r>
+              <a:rPr lang="en-GB" dirty="0" err="1"/>
+              <a:t>characters,spaces</a:t>
+            </a:r>
+            <a:r>
+              <a:rPr lang="en-GB" dirty="0"/>
+              <a:t> and abbreviations or acronyms which not always are clear</a:t>
+            </a:r>
+          </a:p>
+          <a:p>
             <a:endParaRPr lang="en-GB" dirty="0"/>
-          </a:p>
-        </p:txBody>
-      </p:sp>
-      <p:sp>
-        <p:nvSpPr>
-          <p:cNvPr id="3" name="Content Placeholder 2">
-            <a:extLst>
-              <a:ext uri="{FF2B5EF4-FFF2-40B4-BE49-F238E27FC236}">
-                <a16:creationId xmlns:a16="http://schemas.microsoft.com/office/drawing/2014/main" id="{EEEAD76B-F810-75C1-73D5-3FEBB1F9538A}"/>
-              </a:ext>
-            </a:extLst>
-          </p:cNvPr>
-          <p:cNvSpPr>
-            <a:spLocks noGrp="1"/>
-          </p:cNvSpPr>
-          <p:nvPr>
-            <p:ph idx="1"/>
-          </p:nvPr>
-        </p:nvSpPr>
-        <p:spPr/>
-        <p:txBody>
-          <a:bodyPr>
-            <a:normAutofit lnSpcReduction="10000"/>
-          </a:bodyPr>
-          <a:lstStyle/>
-          <a:p>
-            <a:pPr>
-              <a:buFont typeface="Arial" panose="020B0604020202020204" pitchFamily="34" charset="0"/>
-              <a:buChar char="•"/>
-            </a:pPr>
-            <a:r>
-              <a:rPr lang="en-GB" b="1" dirty="0"/>
-              <a:t>Interactive Data Visualizations</a:t>
-            </a:r>
-            <a:br>
-              <a:rPr lang="en-GB" dirty="0"/>
-            </a:br>
-            <a:r>
-              <a:rPr lang="en-GB" dirty="0"/>
-              <a:t>Users can explore accident data with easy-to-read graphs and charts.</a:t>
-            </a:r>
-          </a:p>
-          <a:p>
-            <a:pPr>
-              <a:buFont typeface="Arial" panose="020B0604020202020204" pitchFamily="34" charset="0"/>
-              <a:buChar char="•"/>
-            </a:pPr>
-            <a:r>
-              <a:rPr lang="en-GB" b="1" dirty="0"/>
-              <a:t>Accident Map</a:t>
-            </a:r>
-            <a:br>
-              <a:rPr lang="en-GB" dirty="0"/>
-            </a:br>
-            <a:r>
-              <a:rPr lang="en-GB" dirty="0"/>
-              <a:t>The application provides a map interface with pins showing accident locations.</a:t>
-            </a:r>
-          </a:p>
-          <a:p>
-            <a:pPr>
-              <a:buFont typeface="Arial" panose="020B0604020202020204" pitchFamily="34" charset="0"/>
-              <a:buChar char="•"/>
-            </a:pPr>
-            <a:r>
-              <a:rPr lang="en-GB" b="1" dirty="0"/>
-              <a:t>Real-Time Data Fetching</a:t>
-            </a:r>
-            <a:br>
-              <a:rPr lang="en-GB" dirty="0"/>
-            </a:br>
-            <a:r>
-              <a:rPr lang="en-GB" dirty="0"/>
-              <a:t>The app fetches fresh data from the API each time it’s started.</a:t>
-            </a:r>
-          </a:p>
-          <a:p>
-            <a:r>
-              <a:rPr lang="en-GB" b="1" dirty="0"/>
-              <a:t>Environment agnostic : </a:t>
-            </a:r>
-          </a:p>
-          <a:p>
-            <a:pPr marL="0" indent="0">
-              <a:buNone/>
-            </a:pPr>
-            <a:r>
-              <a:rPr lang="en-GB" dirty="0"/>
-              <a:t>Application is set up to work with Docker and containers</a:t>
-            </a:r>
           </a:p>
         </p:txBody>
       </p:sp>
     </p:spTree>
     <p:extLst>
       <p:ext uri="{BB962C8B-B14F-4D97-AF65-F5344CB8AC3E}">
-        <p14:creationId xmlns:p14="http://schemas.microsoft.com/office/powerpoint/2010/main" val="319100307"/>
+        <p14:creationId xmlns:p14="http://schemas.microsoft.com/office/powerpoint/2010/main" val="2198868630"/>
       </p:ext>
     </p:extLst>
   </p:cSld>
@@ -4201,7 +4515,7 @@
           <p:cNvPr id="2" name="Title 1">
             <a:extLst>
               <a:ext uri="{FF2B5EF4-FFF2-40B4-BE49-F238E27FC236}">
-                <a16:creationId xmlns:a16="http://schemas.microsoft.com/office/drawing/2014/main" id="{5F10CB34-58B2-49D9-3BCF-C76C459C0EA3}"/>
+                <a16:creationId xmlns:a16="http://schemas.microsoft.com/office/drawing/2014/main" id="{D72BDDF7-630C-AF80-D777-5CF2894EB078}"/>
               </a:ext>
             </a:extLst>
           </p:cNvPr>
@@ -4219,7 +4533,7 @@
           <a:p>
             <a:r>
               <a:rPr lang="en-GB" dirty="0"/>
-              <a:t>Issues with the project</a:t>
+              <a:t>How it works: Data cleanup</a:t>
             </a:r>
           </a:p>
         </p:txBody>
@@ -4229,7 +4543,7 @@
           <p:cNvPr id="3" name="Content Placeholder 2">
             <a:extLst>
               <a:ext uri="{FF2B5EF4-FFF2-40B4-BE49-F238E27FC236}">
-                <a16:creationId xmlns:a16="http://schemas.microsoft.com/office/drawing/2014/main" id="{8E34B1BF-AEB5-0DA9-AA2B-AAF489C696F1}"/>
+                <a16:creationId xmlns:a16="http://schemas.microsoft.com/office/drawing/2014/main" id="{2C2818DF-A260-92F4-C6FB-7EBFAD9559AB}"/>
               </a:ext>
             </a:extLst>
           </p:cNvPr>
@@ -4245,37 +4559,39 @@
           <a:bodyPr/>
           <a:lstStyle/>
           <a:p>
-            <a:pPr>
-              <a:buFont typeface="Arial" panose="020B0604020202020204" pitchFamily="34" charset="0"/>
-              <a:buChar char="•"/>
-            </a:pPr>
-            <a:r>
-              <a:rPr lang="en-GB" b="1" dirty="0"/>
-              <a:t>Slow Start-Up</a:t>
-            </a:r>
-            <a:br>
-              <a:rPr lang="en-GB" dirty="0"/>
-            </a:br>
-            <a:r>
-              <a:rPr lang="en-GB" dirty="0"/>
-              <a:t>Data aggregation at the start is resource-intensive and takes a long time, especially when processing large datasets on a local machine.</a:t>
-            </a:r>
-          </a:p>
-          <a:p>
-            <a:pPr>
-              <a:buFont typeface="Arial" panose="020B0604020202020204" pitchFamily="34" charset="0"/>
-              <a:buChar char="•"/>
-            </a:pPr>
-            <a:r>
-              <a:rPr lang="en-GB" b="1" dirty="0"/>
-              <a:t>No Persistence</a:t>
-            </a:r>
-            <a:br>
-              <a:rPr lang="en-GB" dirty="0"/>
-            </a:br>
-            <a:r>
-              <a:rPr lang="en-GB" dirty="0"/>
-              <a:t>The app doesn't store the data in a database, which makes it slow on every start-up and leads to inefficient use of resources.</a:t>
+            <a:r>
+              <a:rPr lang="en-GB" dirty="0"/>
+              <a:t>Data is provided with coordinates in EPSG:3346</a:t>
+            </a:r>
+          </a:p>
+          <a:p>
+            <a:r>
+              <a:rPr lang="en-GB" dirty="0"/>
+              <a:t>However, EPSG:4326 format is needed to display it on the map</a:t>
+            </a:r>
+          </a:p>
+          <a:p>
+            <a:r>
+              <a:rPr lang="en-GB" dirty="0"/>
+              <a:t>Contained incidents from other years – removed from set</a:t>
+            </a:r>
+          </a:p>
+          <a:p>
+            <a:r>
+              <a:rPr lang="en-GB" dirty="0"/>
+              <a:t>Dataset is huge and not all data is needed </a:t>
+            </a:r>
+          </a:p>
+          <a:p>
+            <a:r>
+              <a:rPr lang="en-GB" dirty="0"/>
+              <a:t>Some coordinates for accidents are inaccurate but records were left to keep other statistics in place</a:t>
+            </a:r>
+          </a:p>
+          <a:p>
+            <a:r>
+              <a:rPr lang="en-GB" dirty="0"/>
+              <a:t>Data is aggregate into EN language</a:t>
             </a:r>
           </a:p>
           <a:p>
@@ -4286,7 +4602,7 @@
     </p:spTree>
     <p:extLst>
       <p:ext uri="{BB962C8B-B14F-4D97-AF65-F5344CB8AC3E}">
-        <p14:creationId xmlns:p14="http://schemas.microsoft.com/office/powerpoint/2010/main" val="1951842705"/>
+        <p14:creationId xmlns:p14="http://schemas.microsoft.com/office/powerpoint/2010/main" val="2247182090"/>
       </p:ext>
     </p:extLst>
   </p:cSld>
@@ -4318,7 +4634,7 @@
           <p:cNvPr id="2" name="Title 1">
             <a:extLst>
               <a:ext uri="{FF2B5EF4-FFF2-40B4-BE49-F238E27FC236}">
-                <a16:creationId xmlns:a16="http://schemas.microsoft.com/office/drawing/2014/main" id="{F3F61CA2-2502-126C-14B9-4E9B64C594A2}"/>
+                <a16:creationId xmlns:a16="http://schemas.microsoft.com/office/drawing/2014/main" id="{36B0DB25-F4E2-2387-43C8-7335F8ED4E24}"/>
               </a:ext>
             </a:extLst>
           </p:cNvPr>
@@ -4336,7 +4652,7 @@
           <a:p>
             <a:r>
               <a:rPr lang="en-GB" b="1" dirty="0"/>
-              <a:t>Future Improvements</a:t>
+              <a:t>Key Features</a:t>
             </a:r>
             <a:br>
               <a:rPr lang="en-GB" b="1" dirty="0"/>
@@ -4350,7 +4666,7 @@
           <p:cNvPr id="3" name="Content Placeholder 2">
             <a:extLst>
               <a:ext uri="{FF2B5EF4-FFF2-40B4-BE49-F238E27FC236}">
-                <a16:creationId xmlns:a16="http://schemas.microsoft.com/office/drawing/2014/main" id="{B5626005-EAFD-6D82-33D9-92F93895DDD2}"/>
+                <a16:creationId xmlns:a16="http://schemas.microsoft.com/office/drawing/2014/main" id="{EEEAD76B-F810-75C1-73D5-3FEBB1F9538A}"/>
               </a:ext>
             </a:extLst>
           </p:cNvPr>
@@ -4364,118 +4680,81 @@
         <p:spPr/>
         <p:txBody>
           <a:bodyPr>
-            <a:normAutofit fontScale="92500" lnSpcReduction="20000"/>
+            <a:normAutofit lnSpcReduction="10000"/>
           </a:bodyPr>
           <a:lstStyle/>
           <a:p>
             <a:pPr>
-              <a:buNone/>
+              <a:buFont typeface="Arial" panose="020B0604020202020204" pitchFamily="34" charset="0"/>
+              <a:buChar char="•"/>
             </a:pPr>
             <a:r>
               <a:rPr lang="en-GB" b="1" dirty="0"/>
-              <a:t>Database Integration</a:t>
-            </a:r>
-            <a:endParaRPr lang="en-GB" dirty="0"/>
-          </a:p>
-          <a:p>
-            <a:pPr marL="742950" lvl="1" indent="-285750">
-              <a:buFont typeface="+mj-lt"/>
-              <a:buAutoNum type="arabicPeriod"/>
+              <a:t>Interactive Data Visualizations</a:t>
+            </a:r>
+            <a:br>
+              <a:rPr lang="en-GB" dirty="0"/>
+            </a:br>
+            <a:r>
+              <a:rPr lang="en-GB" dirty="0"/>
+              <a:t>Users can explore accident data with easy-to-read graphs and charts.</a:t>
+            </a:r>
+          </a:p>
+          <a:p>
+            <a:pPr>
+              <a:buFont typeface="Arial" panose="020B0604020202020204" pitchFamily="34" charset="0"/>
+              <a:buChar char="•"/>
             </a:pPr>
             <a:r>
               <a:rPr lang="en-GB" b="1" dirty="0"/>
-              <a:t>Move Data to Database (PostgreSQL)</a:t>
+              <a:t>Accident Map</a:t>
             </a:r>
             <a:br>
               <a:rPr lang="en-GB" dirty="0"/>
             </a:br>
             <a:r>
               <a:rPr lang="en-GB" dirty="0"/>
-              <a:t>Storing data in a database will reduce the need for frequent data downloading and aggregation.</a:t>
+              <a:t>The application provides a map interface with pins showing accident locations.</a:t>
             </a:r>
           </a:p>
           <a:p>
             <a:pPr>
-              <a:buFont typeface="+mj-lt"/>
-              <a:buAutoNum type="arabicPeriod"/>
+              <a:buFont typeface="Arial" panose="020B0604020202020204" pitchFamily="34" charset="0"/>
+              <a:buChar char="•"/>
             </a:pPr>
             <a:r>
               <a:rPr lang="en-GB" b="1" dirty="0"/>
-              <a:t>Caching Mechanism</a:t>
-            </a:r>
-            <a:endParaRPr lang="en-GB" dirty="0"/>
-          </a:p>
-          <a:p>
-            <a:pPr marL="742950" lvl="1" indent="-285750">
-              <a:buFont typeface="+mj-lt"/>
-              <a:buAutoNum type="arabicPeriod"/>
+              <a:t>Real-Time Data Fetching</a:t>
+            </a:r>
+            <a:br>
+              <a:rPr lang="en-GB" dirty="0"/>
+            </a:br>
+            <a:r>
+              <a:rPr lang="en-GB" dirty="0"/>
+              <a:t>The app fetches fresh data from the API each time it’s started.</a:t>
+            </a:r>
+          </a:p>
+          <a:p>
+            <a:r>
+              <a:rPr lang="en-GB" b="1" dirty="0"/>
+              <a:t>Environment agnostic : </a:t>
+            </a:r>
+          </a:p>
+          <a:p>
+            <a:pPr marL="0" indent="0">
+              <a:buNone/>
             </a:pPr>
             <a:r>
-              <a:rPr lang="en-GB" b="1" dirty="0"/>
-              <a:t>Implement Redis</a:t>
-            </a:r>
-            <a:br>
-              <a:rPr lang="en-GB" dirty="0"/>
-            </a:br>
-            <a:r>
-              <a:rPr lang="en-GB" dirty="0"/>
-              <a:t>Caching results using Redis will significantly speed up the app by reducing the need to reaggregate data on every start.</a:t>
-            </a:r>
-          </a:p>
-          <a:p>
-            <a:pPr>
-              <a:buFont typeface="+mj-lt"/>
-              <a:buAutoNum type="arabicPeriod"/>
-            </a:pPr>
-            <a:r>
-              <a:rPr lang="en-GB" b="1" dirty="0"/>
-              <a:t>User Interactivity</a:t>
-            </a:r>
-            <a:endParaRPr lang="en-GB" dirty="0"/>
-          </a:p>
-          <a:p>
-            <a:pPr marL="742950" lvl="1" indent="-285750">
-              <a:buFont typeface="+mj-lt"/>
-              <a:buAutoNum type="arabicPeriod"/>
-            </a:pPr>
-            <a:r>
-              <a:rPr lang="en-GB" b="1" dirty="0"/>
-              <a:t>Allow User Input for Filtering</a:t>
-            </a:r>
-            <a:br>
-              <a:rPr lang="en-GB" dirty="0"/>
-            </a:br>
-            <a:r>
-              <a:rPr lang="en-GB" dirty="0"/>
-              <a:t>Allow users to filter data by car types, accident severity, or time period.</a:t>
-            </a:r>
-          </a:p>
-          <a:p>
-            <a:pPr marL="742950" lvl="1" indent="-285750">
-              <a:buFont typeface="+mj-lt"/>
-              <a:buAutoNum type="arabicPeriod"/>
-            </a:pPr>
-            <a:r>
-              <a:rPr lang="en-GB" b="1" dirty="0"/>
-              <a:t>Login System</a:t>
-            </a:r>
-            <a:br>
-              <a:rPr lang="en-GB" dirty="0"/>
-            </a:br>
-            <a:r>
-              <a:rPr lang="en-GB" dirty="0"/>
-              <a:t>Add authentication to save user preferences and give personalized access to features.</a:t>
-            </a:r>
-          </a:p>
-          <a:p>
-            <a:endParaRPr lang="en-GB" dirty="0"/>
+              <a:rPr lang="en-GB" dirty="0"/>
+              <a:t>Application is set up to work with Docker and containers</a:t>
+            </a:r>
           </a:p>
         </p:txBody>
       </p:sp>
     </p:spTree>
     <p:extLst>
       <p:ext uri="{BB962C8B-B14F-4D97-AF65-F5344CB8AC3E}">
-        <p14:creationId xmlns:p14="http://schemas.microsoft.com/office/powerpoint/2010/main" val="4211362068"/>
+        <p14:creationId xmlns:p14="http://schemas.microsoft.com/office/powerpoint/2010/main" val="319100307"/>
       </p:ext>
     </p:extLst>
   </p:cSld>
